--- a/formation-2/intro.pptx
+++ b/formation-2/intro.pptx
@@ -10,9 +10,10 @@
     <p:sldId id="258" r:id="rId4"/>
     <p:sldId id="259" r:id="rId5"/>
     <p:sldId id="260" r:id="rId6"/>
-    <p:sldId id="261" r:id="rId7"/>
-    <p:sldId id="262" r:id="rId8"/>
-    <p:sldId id="263" r:id="rId9"/>
+    <p:sldId id="264" r:id="rId7"/>
+    <p:sldId id="261" r:id="rId8"/>
+    <p:sldId id="262" r:id="rId9"/>
+    <p:sldId id="263" r:id="rId10"/>
   </p:sldIdLst>
   <p:sldSz cx="12192000" cy="6858000"/>
   <p:notesSz cx="6858000" cy="9144000"/>
@@ -268,7 +269,7 @@
           <a:p>
             <a:fld id="{9588F83E-DEF9-4DD0-9DD7-19D5931424C7}" type="datetimeFigureOut">
               <a:rPr lang="fr-CA" smtClean="0"/>
-              <a:t>2026-01-19</a:t>
+              <a:t>2026-01-20</a:t>
             </a:fld>
             <a:endParaRPr lang="fr-CA"/>
           </a:p>
@@ -468,7 +469,7 @@
           <a:p>
             <a:fld id="{9588F83E-DEF9-4DD0-9DD7-19D5931424C7}" type="datetimeFigureOut">
               <a:rPr lang="fr-CA" smtClean="0"/>
-              <a:t>2026-01-19</a:t>
+              <a:t>2026-01-20</a:t>
             </a:fld>
             <a:endParaRPr lang="fr-CA"/>
           </a:p>
@@ -678,7 +679,7 @@
           <a:p>
             <a:fld id="{9588F83E-DEF9-4DD0-9DD7-19D5931424C7}" type="datetimeFigureOut">
               <a:rPr lang="fr-CA" smtClean="0"/>
-              <a:t>2026-01-19</a:t>
+              <a:t>2026-01-20</a:t>
             </a:fld>
             <a:endParaRPr lang="fr-CA"/>
           </a:p>
@@ -878,7 +879,7 @@
           <a:p>
             <a:fld id="{9588F83E-DEF9-4DD0-9DD7-19D5931424C7}" type="datetimeFigureOut">
               <a:rPr lang="fr-CA" smtClean="0"/>
-              <a:t>2026-01-19</a:t>
+              <a:t>2026-01-20</a:t>
             </a:fld>
             <a:endParaRPr lang="fr-CA"/>
           </a:p>
@@ -1154,7 +1155,7 @@
           <a:p>
             <a:fld id="{9588F83E-DEF9-4DD0-9DD7-19D5931424C7}" type="datetimeFigureOut">
               <a:rPr lang="fr-CA" smtClean="0"/>
-              <a:t>2026-01-19</a:t>
+              <a:t>2026-01-20</a:t>
             </a:fld>
             <a:endParaRPr lang="fr-CA"/>
           </a:p>
@@ -1422,7 +1423,7 @@
           <a:p>
             <a:fld id="{9588F83E-DEF9-4DD0-9DD7-19D5931424C7}" type="datetimeFigureOut">
               <a:rPr lang="fr-CA" smtClean="0"/>
-              <a:t>2026-01-19</a:t>
+              <a:t>2026-01-20</a:t>
             </a:fld>
             <a:endParaRPr lang="fr-CA"/>
           </a:p>
@@ -1837,7 +1838,7 @@
           <a:p>
             <a:fld id="{9588F83E-DEF9-4DD0-9DD7-19D5931424C7}" type="datetimeFigureOut">
               <a:rPr lang="fr-CA" smtClean="0"/>
-              <a:t>2026-01-19</a:t>
+              <a:t>2026-01-20</a:t>
             </a:fld>
             <a:endParaRPr lang="fr-CA"/>
           </a:p>
@@ -1979,7 +1980,7 @@
           <a:p>
             <a:fld id="{9588F83E-DEF9-4DD0-9DD7-19D5931424C7}" type="datetimeFigureOut">
               <a:rPr lang="fr-CA" smtClean="0"/>
-              <a:t>2026-01-19</a:t>
+              <a:t>2026-01-20</a:t>
             </a:fld>
             <a:endParaRPr lang="fr-CA"/>
           </a:p>
@@ -2092,7 +2093,7 @@
           <a:p>
             <a:fld id="{9588F83E-DEF9-4DD0-9DD7-19D5931424C7}" type="datetimeFigureOut">
               <a:rPr lang="fr-CA" smtClean="0"/>
-              <a:t>2026-01-19</a:t>
+              <a:t>2026-01-20</a:t>
             </a:fld>
             <a:endParaRPr lang="fr-CA"/>
           </a:p>
@@ -2405,7 +2406,7 @@
           <a:p>
             <a:fld id="{9588F83E-DEF9-4DD0-9DD7-19D5931424C7}" type="datetimeFigureOut">
               <a:rPr lang="fr-CA" smtClean="0"/>
-              <a:t>2026-01-19</a:t>
+              <a:t>2026-01-20</a:t>
             </a:fld>
             <a:endParaRPr lang="fr-CA"/>
           </a:p>
@@ -2694,7 +2695,7 @@
           <a:p>
             <a:fld id="{9588F83E-DEF9-4DD0-9DD7-19D5931424C7}" type="datetimeFigureOut">
               <a:rPr lang="fr-CA" smtClean="0"/>
-              <a:t>2026-01-19</a:t>
+              <a:t>2026-01-20</a:t>
             </a:fld>
             <a:endParaRPr lang="fr-CA"/>
           </a:p>
@@ -2937,7 +2938,7 @@
           <a:p>
             <a:fld id="{9588F83E-DEF9-4DD0-9DD7-19D5931424C7}" type="datetimeFigureOut">
               <a:rPr lang="fr-CA" smtClean="0"/>
-              <a:t>2026-01-19</a:t>
+              <a:t>2026-01-20</a:t>
             </a:fld>
             <a:endParaRPr lang="fr-CA"/>
           </a:p>
@@ -4651,6 +4652,380 @@
           <p:cNvPr id="2" name="Titre 1">
             <a:extLst>
               <a:ext uri="{FF2B5EF4-FFF2-40B4-BE49-F238E27FC236}">
+                <a16:creationId xmlns:a16="http://schemas.microsoft.com/office/drawing/2014/main" id="{B65F5B6F-1AF3-242C-EB0B-EB9D5C93F87E}"/>
+              </a:ext>
+            </a:extLst>
+          </p:cNvPr>
+          <p:cNvSpPr>
+            <a:spLocks noGrp="1"/>
+          </p:cNvSpPr>
+          <p:nvPr>
+            <p:ph type="title"/>
+          </p:nvPr>
+        </p:nvSpPr>
+        <p:spPr/>
+        <p:txBody>
+          <a:bodyPr/>
+          <a:lstStyle/>
+          <a:p>
+            <a:r>
+              <a:rPr lang="fr-CA" dirty="0"/>
+              <a:t>Installations</a:t>
+            </a:r>
+          </a:p>
+        </p:txBody>
+      </p:sp>
+      <p:sp>
+        <p:nvSpPr>
+          <p:cNvPr id="3" name="Espace réservé du contenu 2">
+            <a:extLst>
+              <a:ext uri="{FF2B5EF4-FFF2-40B4-BE49-F238E27FC236}">
+                <a16:creationId xmlns:a16="http://schemas.microsoft.com/office/drawing/2014/main" id="{BB9BCE81-DDDB-63EB-534F-FE402802B83B}"/>
+              </a:ext>
+            </a:extLst>
+          </p:cNvPr>
+          <p:cNvSpPr>
+            <a:spLocks noGrp="1"/>
+          </p:cNvSpPr>
+          <p:nvPr>
+            <p:ph idx="1"/>
+          </p:nvPr>
+        </p:nvSpPr>
+        <p:spPr>
+          <a:xfrm>
+            <a:off x="838200" y="1825624"/>
+            <a:ext cx="10515600" cy="4458443"/>
+          </a:xfrm>
+        </p:spPr>
+        <p:txBody>
+          <a:bodyPr>
+            <a:normAutofit fontScale="92500" lnSpcReduction="10000"/>
+          </a:bodyPr>
+          <a:lstStyle/>
+          <a:p>
+            <a:pPr marL="0" indent="0">
+              <a:lnSpc>
+                <a:spcPct val="100000"/>
+              </a:lnSpc>
+              <a:buNone/>
+            </a:pPr>
+            <a:endParaRPr lang="fr-CA" sz="2400" dirty="0">
+              <a:latin typeface="Fira Code" pitchFamily="1" charset="0"/>
+              <a:ea typeface="Fira Code" pitchFamily="1" charset="0"/>
+              <a:cs typeface="Fira Code" pitchFamily="1" charset="0"/>
+            </a:endParaRPr>
+          </a:p>
+          <a:p>
+            <a:pPr marL="0" indent="0">
+              <a:lnSpc>
+                <a:spcPct val="100000"/>
+              </a:lnSpc>
+              <a:buNone/>
+            </a:pPr>
+            <a:r>
+              <a:rPr lang="fr-CA" sz="2400" dirty="0">
+                <a:latin typeface="Fira Code" pitchFamily="1" charset="0"/>
+                <a:ea typeface="Fira Code" pitchFamily="1" charset="0"/>
+                <a:cs typeface="Fira Code" pitchFamily="1" charset="0"/>
+              </a:rPr>
+              <a:t>----- * ------------------------- </a:t>
+            </a:r>
+            <a:r>
+              <a:rPr lang="fr-CA" sz="2400" dirty="0" err="1">
+                <a:latin typeface="Fira Code" pitchFamily="1" charset="0"/>
+                <a:ea typeface="Fira Code" pitchFamily="1" charset="0"/>
+                <a:cs typeface="Fira Code" pitchFamily="1" charset="0"/>
+              </a:rPr>
+              <a:t>virtualenv</a:t>
+            </a:r>
+            <a:br>
+              <a:rPr lang="fr-CA" sz="2400" dirty="0">
+                <a:latin typeface="Fira Code" pitchFamily="1" charset="0"/>
+                <a:ea typeface="Fira Code" pitchFamily="1" charset="0"/>
+                <a:cs typeface="Fira Code" pitchFamily="1" charset="0"/>
+              </a:rPr>
+            </a:br>
+            <a:r>
+              <a:rPr lang="fr-CA" sz="2400" dirty="0">
+                <a:latin typeface="Fira Code" pitchFamily="1" charset="0"/>
+                <a:ea typeface="Fira Code" pitchFamily="1" charset="0"/>
+                <a:cs typeface="Fira Code" pitchFamily="1" charset="0"/>
+              </a:rPr>
+              <a:t>       \         /--------------- </a:t>
+            </a:r>
+            <a:r>
+              <a:rPr lang="fr-CA" sz="2400" dirty="0" err="1">
+                <a:latin typeface="Fira Code" pitchFamily="1" charset="0"/>
+                <a:ea typeface="Fira Code" pitchFamily="1" charset="0"/>
+                <a:cs typeface="Fira Code" pitchFamily="1" charset="0"/>
+              </a:rPr>
+              <a:t>pipx</a:t>
+            </a:r>
+            <a:br>
+              <a:rPr lang="fr-CA" sz="2400" dirty="0">
+                <a:latin typeface="Fira Code" pitchFamily="1" charset="0"/>
+                <a:ea typeface="Fira Code" pitchFamily="1" charset="0"/>
+                <a:cs typeface="Fira Code" pitchFamily="1" charset="0"/>
+              </a:rPr>
+            </a:br>
+            <a:r>
+              <a:rPr lang="fr-CA" sz="2400" dirty="0">
+                <a:latin typeface="Fira Code" pitchFamily="1" charset="0"/>
+                <a:ea typeface="Fira Code" pitchFamily="1" charset="0"/>
+                <a:cs typeface="Fira Code" pitchFamily="1" charset="0"/>
+              </a:rPr>
+              <a:t>        \ ----- * --------------- </a:t>
+            </a:r>
+            <a:r>
+              <a:rPr lang="fr-CA" sz="2400" dirty="0" err="1">
+                <a:latin typeface="Fira Code" pitchFamily="1" charset="0"/>
+                <a:ea typeface="Fira Code" pitchFamily="1" charset="0"/>
+                <a:cs typeface="Fira Code" pitchFamily="1" charset="0"/>
+              </a:rPr>
+              <a:t>pip</a:t>
+            </a:r>
+            <a:r>
+              <a:rPr lang="fr-CA" sz="2400" dirty="0">
+                <a:latin typeface="Fira Code" pitchFamily="1" charset="0"/>
+                <a:ea typeface="Fira Code" pitchFamily="1" charset="0"/>
+                <a:cs typeface="Fira Code" pitchFamily="1" charset="0"/>
+              </a:rPr>
+              <a:t>, </a:t>
+            </a:r>
+            <a:r>
+              <a:rPr lang="fr-CA" sz="2400" dirty="0" err="1">
+                <a:latin typeface="Fira Code" pitchFamily="1" charset="0"/>
+                <a:ea typeface="Fira Code" pitchFamily="1" charset="0"/>
+                <a:cs typeface="Fira Code" pitchFamily="1" charset="0"/>
+              </a:rPr>
+              <a:t>venv</a:t>
+            </a:r>
+            <a:br>
+              <a:rPr lang="fr-CA" sz="2400" dirty="0">
+                <a:latin typeface="Fira Code" pitchFamily="1" charset="0"/>
+                <a:ea typeface="Fira Code" pitchFamily="1" charset="0"/>
+                <a:cs typeface="Fira Code" pitchFamily="1" charset="0"/>
+              </a:rPr>
+            </a:br>
+            <a:r>
+              <a:rPr lang="fr-CA" sz="2400" dirty="0">
+                <a:latin typeface="Fira Code" pitchFamily="1" charset="0"/>
+                <a:ea typeface="Fira Code" pitchFamily="1" charset="0"/>
+                <a:cs typeface="Fira Code" pitchFamily="1" charset="0"/>
+              </a:rPr>
+              <a:t>                 \ ----- * ------ </a:t>
+            </a:r>
+            <a:r>
+              <a:rPr lang="fr-CA" sz="2400" dirty="0" err="1">
+                <a:latin typeface="Fira Code" pitchFamily="1" charset="0"/>
+                <a:ea typeface="Fira Code" pitchFamily="1" charset="0"/>
+                <a:cs typeface="Fira Code" pitchFamily="1" charset="0"/>
+              </a:rPr>
+              <a:t>poetry</a:t>
+            </a:r>
+            <a:br>
+              <a:rPr lang="fr-CA" sz="2400" dirty="0">
+                <a:latin typeface="Fira Code" pitchFamily="1" charset="0"/>
+                <a:ea typeface="Fira Code" pitchFamily="1" charset="0"/>
+                <a:cs typeface="Fira Code" pitchFamily="1" charset="0"/>
+              </a:rPr>
+            </a:br>
+            <a:r>
+              <a:rPr lang="fr-CA" sz="2400" dirty="0">
+                <a:latin typeface="Fira Code" pitchFamily="1" charset="0"/>
+                <a:ea typeface="Fira Code" pitchFamily="1" charset="0"/>
+                <a:cs typeface="Fira Code" pitchFamily="1" charset="0"/>
+              </a:rPr>
+              <a:t>                          \ ----- </a:t>
+            </a:r>
+            <a:r>
+              <a:rPr lang="fr-CA" sz="2400" b="1" dirty="0" err="1">
+                <a:latin typeface="Fira Code" pitchFamily="1" charset="0"/>
+                <a:ea typeface="Fira Code" pitchFamily="1" charset="0"/>
+                <a:cs typeface="Fira Code" pitchFamily="1" charset="0"/>
+              </a:rPr>
+              <a:t>uv</a:t>
+            </a:r>
+            <a:endParaRPr lang="fr-CA" sz="2400" b="1" dirty="0">
+              <a:latin typeface="Fira Code" pitchFamily="1" charset="0"/>
+              <a:ea typeface="Fira Code" pitchFamily="1" charset="0"/>
+              <a:cs typeface="Fira Code" pitchFamily="1" charset="0"/>
+            </a:endParaRPr>
+          </a:p>
+          <a:p>
+            <a:pPr marL="0" indent="0">
+              <a:lnSpc>
+                <a:spcPct val="100000"/>
+              </a:lnSpc>
+              <a:buNone/>
+            </a:pPr>
+            <a:r>
+              <a:rPr lang="fr-CA" sz="2400" dirty="0">
+                <a:latin typeface="Fira Code" pitchFamily="1" charset="0"/>
+                <a:ea typeface="Fira Code" pitchFamily="1" charset="0"/>
+                <a:cs typeface="Fira Code" pitchFamily="1" charset="0"/>
+              </a:rPr>
+              <a:t>----- * --------------- </a:t>
+            </a:r>
+            <a:r>
+              <a:rPr lang="fr-CA" sz="2400" dirty="0" err="1">
+                <a:latin typeface="Fira Code" pitchFamily="1" charset="0"/>
+                <a:ea typeface="Fira Code" pitchFamily="1" charset="0"/>
+                <a:cs typeface="Fira Code" pitchFamily="1" charset="0"/>
+              </a:rPr>
+              <a:t>conda</a:t>
+            </a:r>
+            <a:br>
+              <a:rPr lang="fr-CA" sz="2400" dirty="0">
+                <a:latin typeface="Fira Code" pitchFamily="1" charset="0"/>
+                <a:ea typeface="Fira Code" pitchFamily="1" charset="0"/>
+                <a:cs typeface="Fira Code" pitchFamily="1" charset="0"/>
+              </a:rPr>
+            </a:br>
+            <a:r>
+              <a:rPr lang="fr-CA" sz="2400" dirty="0">
+                <a:latin typeface="Fira Code" pitchFamily="1" charset="0"/>
+                <a:ea typeface="Fira Code" pitchFamily="1" charset="0"/>
+                <a:cs typeface="Fira Code" pitchFamily="1" charset="0"/>
+              </a:rPr>
+              <a:t>        \ ----- * ----- </a:t>
+            </a:r>
+            <a:r>
+              <a:rPr lang="fr-CA" sz="2400" b="1" dirty="0">
+                <a:latin typeface="Fira Code" pitchFamily="1" charset="0"/>
+                <a:ea typeface="Fira Code" pitchFamily="1" charset="0"/>
+                <a:cs typeface="Fira Code" pitchFamily="1" charset="0"/>
+              </a:rPr>
+              <a:t>mamba</a:t>
+            </a:r>
+            <a:br>
+              <a:rPr lang="fr-CA" sz="2400" dirty="0">
+                <a:latin typeface="Fira Code" pitchFamily="1" charset="0"/>
+                <a:ea typeface="Fira Code" pitchFamily="1" charset="0"/>
+                <a:cs typeface="Fira Code" pitchFamily="1" charset="0"/>
+              </a:rPr>
+            </a:br>
+            <a:r>
+              <a:rPr lang="fr-CA" sz="2400" dirty="0">
+                <a:latin typeface="Fira Code" pitchFamily="1" charset="0"/>
+                <a:ea typeface="Fira Code" pitchFamily="1" charset="0"/>
+                <a:cs typeface="Fira Code" pitchFamily="1" charset="0"/>
+              </a:rPr>
+              <a:t>                \ ----- </a:t>
+            </a:r>
+            <a:r>
+              <a:rPr lang="fr-CA" sz="2400" b="1" dirty="0" err="1">
+                <a:latin typeface="Fira Code" pitchFamily="1" charset="0"/>
+                <a:ea typeface="Fira Code" pitchFamily="1" charset="0"/>
+                <a:cs typeface="Fira Code" pitchFamily="1" charset="0"/>
+              </a:rPr>
+              <a:t>pixi</a:t>
+            </a:r>
+            <a:endParaRPr lang="fr-CA" sz="2400" b="1" dirty="0">
+              <a:latin typeface="Fira Code" pitchFamily="1" charset="0"/>
+              <a:ea typeface="Fira Code" pitchFamily="1" charset="0"/>
+              <a:cs typeface="Fira Code" pitchFamily="1" charset="0"/>
+            </a:endParaRPr>
+          </a:p>
+          <a:p>
+            <a:pPr marL="0" indent="0">
+              <a:lnSpc>
+                <a:spcPct val="100000"/>
+              </a:lnSpc>
+              <a:buNone/>
+            </a:pPr>
+            <a:endParaRPr lang="fr-CA" sz="2400" dirty="0">
+              <a:ea typeface="Fira Code" pitchFamily="1" charset="0"/>
+              <a:cs typeface="Fira Code" pitchFamily="1" charset="0"/>
+            </a:endParaRPr>
+          </a:p>
+          <a:p>
+            <a:pPr>
+              <a:lnSpc>
+                <a:spcPct val="100000"/>
+              </a:lnSpc>
+            </a:pPr>
+            <a:r>
+              <a:rPr lang="fr-CA" sz="2400" dirty="0">
+                <a:ea typeface="Fira Code" pitchFamily="1" charset="0"/>
+                <a:cs typeface="Fira Code" pitchFamily="1" charset="0"/>
+              </a:rPr>
+              <a:t>packages géospatiaux: </a:t>
+            </a:r>
+            <a:r>
+              <a:rPr lang="fr-CA" sz="2400" dirty="0" err="1">
+                <a:ea typeface="Fira Code" pitchFamily="1" charset="0"/>
+                <a:cs typeface="Fira Code" pitchFamily="1" charset="0"/>
+              </a:rPr>
+              <a:t>pixi</a:t>
+            </a:r>
+            <a:endParaRPr lang="fr-CA" sz="2400" dirty="0">
+              <a:ea typeface="Fira Code" pitchFamily="1" charset="0"/>
+              <a:cs typeface="Fira Code" pitchFamily="1" charset="0"/>
+            </a:endParaRPr>
+          </a:p>
+          <a:p>
+            <a:pPr>
+              <a:lnSpc>
+                <a:spcPct val="100000"/>
+              </a:lnSpc>
+            </a:pPr>
+            <a:r>
+              <a:rPr lang="fr-CA" sz="2400" dirty="0">
+                <a:ea typeface="Fira Code" pitchFamily="1" charset="0"/>
+                <a:cs typeface="Fira Code" pitchFamily="1" charset="0"/>
+              </a:rPr>
+              <a:t>autre: </a:t>
+            </a:r>
+            <a:r>
+              <a:rPr lang="fr-CA" sz="2400" dirty="0" err="1">
+                <a:ea typeface="Fira Code" pitchFamily="1" charset="0"/>
+                <a:cs typeface="Fira Code" pitchFamily="1" charset="0"/>
+              </a:rPr>
+              <a:t>uv</a:t>
+            </a:r>
+            <a:endParaRPr lang="fr-CA" sz="2400" dirty="0">
+              <a:ea typeface="Fira Code" pitchFamily="1" charset="0"/>
+              <a:cs typeface="Fira Code" pitchFamily="1" charset="0"/>
+            </a:endParaRPr>
+          </a:p>
+        </p:txBody>
+      </p:sp>
+    </p:spTree>
+    <p:extLst>
+      <p:ext uri="{BB962C8B-B14F-4D97-AF65-F5344CB8AC3E}">
+        <p14:creationId xmlns:p14="http://schemas.microsoft.com/office/powerpoint/2010/main" val="272686072"/>
+      </p:ext>
+    </p:extLst>
+  </p:cSld>
+  <p:clrMapOvr>
+    <a:masterClrMapping/>
+  </p:clrMapOvr>
+</p:sld>
+</file>
+
+<file path=ppt/slides/slide7.xml><?xml version="1.0" encoding="utf-8"?>
+<p:sld xmlns:a="http://schemas.openxmlformats.org/drawingml/2006/main" xmlns:r="http://schemas.openxmlformats.org/officeDocument/2006/relationships" xmlns:p="http://schemas.openxmlformats.org/presentationml/2006/main">
+  <p:cSld>
+    <p:spTree>
+      <p:nvGrpSpPr>
+        <p:cNvPr id="1" name=""/>
+        <p:cNvGrpSpPr/>
+        <p:nvPr/>
+      </p:nvGrpSpPr>
+      <p:grpSpPr>
+        <a:xfrm>
+          <a:off x="0" y="0"/>
+          <a:ext cx="0" cy="0"/>
+          <a:chOff x="0" y="0"/>
+          <a:chExt cx="0" cy="0"/>
+        </a:xfrm>
+      </p:grpSpPr>
+      <p:sp>
+        <p:nvSpPr>
+          <p:cNvPr id="2" name="Titre 1">
+            <a:extLst>
+              <a:ext uri="{FF2B5EF4-FFF2-40B4-BE49-F238E27FC236}">
                 <a16:creationId xmlns:a16="http://schemas.microsoft.com/office/drawing/2014/main" id="{18CDA188-8E4A-A590-D5DC-34DCCA500DFC}"/>
               </a:ext>
             </a:extLst>
@@ -4717,7 +5092,7 @@
 </p:sld>
 </file>
 
-<file path=ppt/slides/slide7.xml><?xml version="1.0" encoding="utf-8"?>
+<file path=ppt/slides/slide8.xml><?xml version="1.0" encoding="utf-8"?>
 <p:sld xmlns:a="http://schemas.openxmlformats.org/drawingml/2006/main" xmlns:r="http://schemas.openxmlformats.org/officeDocument/2006/relationships" xmlns:p="http://schemas.openxmlformats.org/presentationml/2006/main">
   <p:cSld>
     <p:spTree>
@@ -4824,7 +5199,7 @@
 </p:sld>
 </file>
 
-<file path=ppt/slides/slide8.xml><?xml version="1.0" encoding="utf-8"?>
+<file path=ppt/slides/slide9.xml><?xml version="1.0" encoding="utf-8"?>
 <p:sld xmlns:a="http://schemas.openxmlformats.org/drawingml/2006/main" xmlns:r="http://schemas.openxmlformats.org/officeDocument/2006/relationships" xmlns:p="http://schemas.openxmlformats.org/presentationml/2006/main">
   <p:cSld>
     <p:spTree>
